--- a/presentations/2020-11 DevDays/2020-11 - DevDays Exchanging FHIR Data.pptx
+++ b/presentations/2020-11 DevDays/2020-11 - DevDays Exchanging FHIR Data.pptx
@@ -10966,10 +10966,10 @@
       </p:pic>
       <p:pic>
         <p:nvPicPr>
-          <p:cNvPr id="10" name="Graphic 9">
-            <a:extLst>
-              <a:ext uri="{FF2B5EF4-FFF2-40B4-BE49-F238E27FC236}">
-                <a16:creationId xmlns:a16="http://schemas.microsoft.com/office/drawing/2014/main" id="{9128B3FB-50C8-402C-9FDD-B24E0C8365C0}"/>
+          <p:cNvPr id="5" name="Picture 4" descr="Qr code&#10;&#10;Description automatically generated">
+            <a:extLst>
+              <a:ext uri="{FF2B5EF4-FFF2-40B4-BE49-F238E27FC236}">
+                <a16:creationId xmlns:a16="http://schemas.microsoft.com/office/drawing/2014/main" id="{1DE4AEE6-5CDD-4E65-9BA9-7850DAC8A7EA}"/>
               </a:ext>
             </a:extLst>
           </p:cNvPr>
@@ -10979,21 +10979,15 @@
           <p:nvPr/>
         </p:nvPicPr>
         <p:blipFill>
-          <a:blip r:embed="rId4">
-            <a:extLst>
-              <a:ext uri="{96DAC541-7B7A-43D3-8B79-37D633B846F1}">
-                <asvg:svgBlip xmlns:asvg="http://schemas.microsoft.com/office/drawing/2016/SVG/main" r:embed="rId5"/>
-              </a:ext>
-            </a:extLst>
-          </a:blip>
+          <a:blip r:embed="rId4"/>
           <a:stretch>
             <a:fillRect/>
           </a:stretch>
         </p:blipFill>
         <p:spPr>
           <a:xfrm>
-            <a:off x="7618786" y="1778202"/>
-            <a:ext cx="1905000" cy="1905000"/>
+            <a:off x="7594516" y="1740179"/>
+            <a:ext cx="1930484" cy="1930484"/>
           </a:xfrm>
           <a:prstGeom prst="rect">
             <a:avLst/>
